--- a/Exploits.pptx
+++ b/Exploits.pptx
@@ -22990,7 +22990,7 @@
                   <a:srgbClr val="7CEBFF"/>
                 </a:solidFill>
               </a:rPr>
-              <a:t>03.08.2023</a:t>
+              <a:t>03.07.2023</a:t>
             </a:r>
           </a:p>
           <a:p>
@@ -23283,7 +23283,7 @@
             <a:pPr rtl="0"/>
             <a:r>
               <a:rPr lang="en-US" dirty="0"/>
-              <a:t>Sanitizer memory footprint (No sanitizer)</a:t>
+              <a:t>Sanitizer memory footprint (TCC No sanitizer)</a:t>
             </a:r>
             <a:endParaRPr lang="ro-RO" dirty="0"/>
           </a:p>
@@ -23378,7 +23378,7 @@
             <a:pPr rtl="0"/>
             <a:r>
               <a:rPr lang="en-US" dirty="0"/>
-              <a:t>Sanitizer memory footprint (UBSAN MINIMAL)</a:t>
+              <a:t>Sanitizer memory footprint (TCC UBSAN MINIMAL)</a:t>
             </a:r>
             <a:endParaRPr lang="ro-RO" dirty="0"/>
           </a:p>
@@ -24416,7 +24416,7 @@
         </p:nvSpPr>
         <p:spPr>
           <a:xfrm>
-            <a:off x="8133123" y="3165988"/>
+            <a:off x="8202289" y="3004772"/>
             <a:ext cx="3081576" cy="1200329"/>
           </a:xfrm>
           <a:prstGeom prst="rect">
@@ -26097,7 +26097,17 @@
             </a:pPr>
             <a:r>
               <a:rPr lang="en-US" sz="3600" dirty="0"/>
-              <a:t>Speed [1]</a:t>
+              <a:t>Speed [</a:t>
+            </a:r>
+            <a:r>
+              <a:rPr lang="en-US" sz="3600" dirty="0">
+                <a:hlinkClick r:id="rId4"/>
+              </a:rPr>
+              <a:t>1</a:t>
+            </a:r>
+            <a:r>
+              <a:rPr lang="en-US" sz="3600" dirty="0"/>
+              <a:t>]</a:t>
             </a:r>
           </a:p>
         </p:txBody>

--- a/Exploits.pptx
+++ b/Exploits.pptx
@@ -7677,30 +7677,14 @@
             </a:lnSpc>
           </a:pPr>
           <a:r>
-            <a:rPr lang="en-US" b="1" dirty="0">
+            <a:rPr lang="en-US" b="0" dirty="0">
               <a:latin typeface="Calibri" panose="020F0502020204030204" pitchFamily="34" charset="0"/>
               <a:ea typeface="Calibri" panose="020F0502020204030204" pitchFamily="34" charset="0"/>
               <a:cs typeface="Calibri" panose="020F0502020204030204" pitchFamily="34" charset="0"/>
             </a:rPr>
-            <a:t>CVE-2023-34417 (</a:t>
+            <a:t>CVE-2023-2134 (chrome heap)</a:t>
           </a:r>
-          <a:r>
-            <a:rPr lang="en-US" b="1" dirty="0" err="1">
-              <a:latin typeface="Calibri" panose="020F0502020204030204" pitchFamily="34" charset="0"/>
-              <a:ea typeface="Calibri" panose="020F0502020204030204" pitchFamily="34" charset="0"/>
-              <a:cs typeface="Calibri" panose="020F0502020204030204" pitchFamily="34" charset="0"/>
-            </a:rPr>
-            <a:t>firefox</a:t>
-          </a:r>
-          <a:r>
-            <a:rPr lang="en-US" b="1" dirty="0">
-              <a:latin typeface="Calibri" panose="020F0502020204030204" pitchFamily="34" charset="0"/>
-              <a:ea typeface="Calibri" panose="020F0502020204030204" pitchFamily="34" charset="0"/>
-              <a:cs typeface="Calibri" panose="020F0502020204030204" pitchFamily="34" charset="0"/>
-            </a:rPr>
-            <a:t> heap)</a:t>
-          </a:r>
-          <a:endParaRPr lang="ro-RO" noProof="0" dirty="0">
+          <a:endParaRPr lang="ro-RO" b="0" noProof="0" dirty="0">
             <a:latin typeface="Calibri" panose="020F0502020204030204" pitchFamily="34" charset="0"/>
             <a:ea typeface="Calibri" panose="020F0502020204030204" pitchFamily="34" charset="0"/>
             <a:cs typeface="Calibri" panose="020F0502020204030204" pitchFamily="34" charset="0"/>
@@ -9416,30 +9400,14 @@
             <a:buNone/>
           </a:pPr>
           <a:r>
-            <a:rPr lang="en-US" sz="3300" b="1" kern="1200" dirty="0">
+            <a:rPr lang="en-US" sz="3300" b="0" kern="1200" dirty="0">
               <a:latin typeface="Calibri" panose="020F0502020204030204" pitchFamily="34" charset="0"/>
               <a:ea typeface="Calibri" panose="020F0502020204030204" pitchFamily="34" charset="0"/>
               <a:cs typeface="Calibri" panose="020F0502020204030204" pitchFamily="34" charset="0"/>
             </a:rPr>
-            <a:t>CVE-2023-34417 (</a:t>
+            <a:t>CVE-2023-2134 (chrome heap)</a:t>
           </a:r>
-          <a:r>
-            <a:rPr lang="en-US" sz="3300" b="1" kern="1200" dirty="0" err="1">
-              <a:latin typeface="Calibri" panose="020F0502020204030204" pitchFamily="34" charset="0"/>
-              <a:ea typeface="Calibri" panose="020F0502020204030204" pitchFamily="34" charset="0"/>
-              <a:cs typeface="Calibri" panose="020F0502020204030204" pitchFamily="34" charset="0"/>
-            </a:rPr>
-            <a:t>firefox</a:t>
-          </a:r>
-          <a:r>
-            <a:rPr lang="en-US" sz="3300" b="1" kern="1200" dirty="0">
-              <a:latin typeface="Calibri" panose="020F0502020204030204" pitchFamily="34" charset="0"/>
-              <a:ea typeface="Calibri" panose="020F0502020204030204" pitchFamily="34" charset="0"/>
-              <a:cs typeface="Calibri" panose="020F0502020204030204" pitchFamily="34" charset="0"/>
-            </a:rPr>
-            <a:t> heap)</a:t>
-          </a:r>
-          <a:endParaRPr lang="ro-RO" sz="3300" kern="1200" noProof="0" dirty="0">
+          <a:endParaRPr lang="ro-RO" sz="3300" b="0" kern="1200" noProof="0" dirty="0">
             <a:latin typeface="Calibri" panose="020F0502020204030204" pitchFamily="34" charset="0"/>
             <a:ea typeface="Calibri" panose="020F0502020204030204" pitchFamily="34" charset="0"/>
             <a:cs typeface="Calibri" panose="020F0502020204030204" pitchFamily="34" charset="0"/>
@@ -24247,7 +24215,7 @@
             <p:ph idx="1"/>
             <p:extLst>
               <p:ext uri="{D42A27DB-BD31-4B8C-83A1-F6EECF244321}">
-                <p14:modId xmlns:p14="http://schemas.microsoft.com/office/powerpoint/2010/main" val="1221618810"/>
+                <p14:modId xmlns:p14="http://schemas.microsoft.com/office/powerpoint/2010/main" val="116770082"/>
               </p:ext>
             </p:extLst>
           </p:nvPr>
